--- a/P1Presentation_MiguelPena.pptx
+++ b/P1Presentation_MiguelPena.pptx
@@ -971,9 +971,10 @@
         <a:lstStyle/>
         <a:p>
           <a:r>
-            <a:rPr lang="en-US" dirty="0"/>
-            <a:t>MySQL 8</a:t>
+            <a:rPr lang="en-US"/>
+            <a:t>MySQL</a:t>
           </a:r>
+          <a:endParaRPr lang="en-US" dirty="0"/>
         </a:p>
       </dgm:t>
     </dgm:pt>
@@ -1710,9 +1711,10 @@
             <a:buNone/>
           </a:pPr>
           <a:r>
-            <a:rPr lang="en-US" sz="1600" kern="1200" dirty="0"/>
-            <a:t>MySQL 8</a:t>
+            <a:rPr lang="en-US" sz="1600" kern="1200"/>
+            <a:t>MySQL</a:t>
           </a:r>
+          <a:endParaRPr lang="en-US" sz="1600" kern="1200" dirty="0"/>
         </a:p>
       </dsp:txBody>
       <dsp:txXfrm>
@@ -8939,6 +8941,21 @@
           <a:lstStyle/>
           <a:p>
             <a:r>
+              <a:rPr lang="en-US" sz="4000" dirty="0">
+                <a:solidFill>
+                  <a:srgbClr val="FFFFFF"/>
+                </a:solidFill>
+              </a:rPr>
+              <a:t>Project 1</a:t>
+            </a:r>
+            <a:br>
+              <a:rPr lang="en-US" sz="4000" dirty="0">
+                <a:solidFill>
+                  <a:srgbClr val="FFFFFF"/>
+                </a:solidFill>
+              </a:rPr>
+            </a:br>
+            <a:r>
               <a:rPr lang="en-US" sz="4000" dirty="0" err="1">
                 <a:solidFill>
                   <a:srgbClr val="FFFFFF"/>
@@ -8946,6 +8963,13 @@
               </a:rPr>
               <a:t>RxBUDDY</a:t>
             </a:r>
+            <a:br>
+              <a:rPr lang="en-US" sz="4000" dirty="0">
+                <a:solidFill>
+                  <a:srgbClr val="FFFFFF"/>
+                </a:solidFill>
+              </a:rPr>
+            </a:br>
             <a:r>
               <a:rPr lang="en-US" sz="4000" dirty="0">
                 <a:solidFill>
@@ -9802,7 +9826,7 @@
                   <a:srgbClr val="FFFFFF"/>
                 </a:solidFill>
               </a:rPr>
-              <a:t>P1 - </a:t>
+              <a:t>Project 1 – </a:t>
             </a:r>
             <a:r>
               <a:rPr lang="en-US" sz="2600" dirty="0" err="1">
@@ -9812,11 +9836,14 @@
               </a:rPr>
               <a:t>RxBUDDY</a:t>
             </a:r>
-            <a:endParaRPr lang="en-US" sz="2600" dirty="0">
-              <a:solidFill>
-                <a:srgbClr val="FFFFFF"/>
-              </a:solidFill>
-            </a:endParaRPr>
+            <a:r>
+              <a:rPr lang="en-US" sz="2600" dirty="0">
+                <a:solidFill>
+                  <a:srgbClr val="FFFFFF"/>
+                </a:solidFill>
+              </a:rPr>
+              <a:t>: Prescription Store</a:t>
+            </a:r>
           </a:p>
         </p:txBody>
       </p:sp>
@@ -9981,7 +10008,7 @@
             <p:ph sz="half" idx="2"/>
             <p:extLst>
               <p:ext uri="{D42A27DB-BD31-4B8C-83A1-F6EECF244321}">
-                <p14:modId xmlns:p14="http://schemas.microsoft.com/office/powerpoint/2010/main" val="441145732"/>
+                <p14:modId xmlns:p14="http://schemas.microsoft.com/office/powerpoint/2010/main" val="1417474489"/>
               </p:ext>
             </p:extLst>
           </p:nvPr>
